--- a/islab/debug&patch/debug&patch.pptx
+++ b/islab/debug&patch/debug&patch.pptx
@@ -16,7 +16,8 @@
     <p:sldId id="265" r:id="rId9"/>
     <p:sldId id="261" r:id="rId10"/>
     <p:sldId id="262" r:id="rId11"/>
-    <p:sldId id="263" r:id="rId12"/>
+    <p:sldId id="269" r:id="rId12"/>
+    <p:sldId id="263" r:id="rId13"/>
   </p:sldIdLst>
   <p:sldSz cx="9144000" cy="6858000" type="screen4x3"/>
   <p:notesSz cx="6858000" cy="9144000"/>
@@ -614,6 +615,13 @@
             </a:r>
             <a:endParaRPr lang="x-none" altLang="zh-CN"/>
           </a:p>
+          <a:p>
+            <a:r>
+              <a:rPr lang="x-none" altLang="zh-CN"/>
+              <a:t>ccc</a:t>
+            </a:r>
+            <a:endParaRPr lang="x-none" altLang="zh-CN"/>
+          </a:p>
         </p:txBody>
       </p:sp>
       <p:sp>
@@ -751,6 +759,157 @@
               <a:t>去弹窗</a:t>
             </a:r>
             <a:endParaRPr lang="x-none" altLang="zh-CN"/>
+          </a:p>
+        </p:txBody>
+      </p:sp>
+      <p:sp>
+        <p:nvSpPr>
+          <p:cNvPr id="4" name="灯片编号占位符 3"/>
+          <p:cNvSpPr>
+            <a:spLocks noGrp="1"/>
+          </p:cNvSpPr>
+          <p:nvPr>
+            <p:ph type="sldNum" sz="quarter" idx="5"/>
+          </p:nvPr>
+        </p:nvSpPr>
+        <p:spPr/>
+        <p:txBody>
+          <a:bodyPr/>
+          <a:p>
+            <a:fld id="{A6837353-30EB-4A48-80EB-173D804AEFBD}" type="slidenum">
+              <a:rPr lang="zh-CN" altLang="en-US" smtClean="0"/>
+            </a:fld>
+            <a:endParaRPr lang="zh-CN" altLang="en-US"/>
+          </a:p>
+        </p:txBody>
+      </p:sp>
+    </p:spTree>
+  </p:cSld>
+  <p:clrMapOvr>
+    <a:masterClrMapping/>
+  </p:clrMapOvr>
+</p:notes>
+</file>
+
+<file path=ppt/notesSlides/notesSlide4.xml><?xml version="1.0" encoding="utf-8"?>
+<p:notes xmlns:a="http://schemas.openxmlformats.org/drawingml/2006/main" xmlns:r="http://schemas.openxmlformats.org/officeDocument/2006/relationships" xmlns:p="http://schemas.openxmlformats.org/presentationml/2006/main">
+  <p:cSld>
+    <p:spTree>
+      <p:nvGrpSpPr>
+        <p:cNvPr id="1" name=""/>
+        <p:cNvGrpSpPr/>
+        <p:nvPr/>
+      </p:nvGrpSpPr>
+      <p:grpSpPr/>
+      <p:sp>
+        <p:nvSpPr>
+          <p:cNvPr id="2" name="幻灯片图像占位符 1"/>
+          <p:cNvSpPr/>
+          <p:nvPr>
+            <p:ph type="sldImg" idx="2"/>
+          </p:nvPr>
+        </p:nvSpPr>
+        <p:spPr/>
+      </p:sp>
+      <p:sp>
+        <p:nvSpPr>
+          <p:cNvPr id="3" name="文本占位符 2"/>
+          <p:cNvSpPr/>
+          <p:nvPr>
+            <p:ph type="body" idx="3"/>
+          </p:nvPr>
+        </p:nvSpPr>
+        <p:spPr/>
+        <p:txBody>
+          <a:bodyPr/>
+          <a:p>
+            <a:endParaRPr lang="x-none" altLang="zh-CN"/>
+          </a:p>
+          <a:p>
+            <a:r>
+              <a:rPr lang="x-none" altLang="zh-CN"/>
+              <a:t>pyyy</a:t>
+            </a:r>
+            <a:endParaRPr lang="x-none" altLang="zh-CN"/>
+          </a:p>
+          <a:p>
+            <a:r>
+              <a:rPr lang="x-none" altLang="zh-CN"/>
+              <a:t>gccc</a:t>
+            </a:r>
+            <a:endParaRPr lang="x-none" altLang="zh-CN"/>
+          </a:p>
+          <a:p>
+            <a:r>
+              <a:rPr lang="x-none" altLang="zh-CN"/>
+              <a:t>onepunch</a:t>
+            </a:r>
+            <a:endParaRPr lang="x-none" altLang="zh-CN"/>
+          </a:p>
+        </p:txBody>
+      </p:sp>
+      <p:sp>
+        <p:nvSpPr>
+          <p:cNvPr id="4" name="灯片编号占位符 3"/>
+          <p:cNvSpPr>
+            <a:spLocks noGrp="1"/>
+          </p:cNvSpPr>
+          <p:nvPr>
+            <p:ph type="sldNum" sz="quarter" idx="5"/>
+          </p:nvPr>
+        </p:nvSpPr>
+        <p:spPr/>
+        <p:txBody>
+          <a:bodyPr/>
+          <a:p>
+            <a:fld id="{A6837353-30EB-4A48-80EB-173D804AEFBD}" type="slidenum">
+              <a:rPr lang="zh-CN" altLang="en-US" smtClean="0"/>
+            </a:fld>
+            <a:endParaRPr lang="zh-CN" altLang="en-US"/>
+          </a:p>
+        </p:txBody>
+      </p:sp>
+    </p:spTree>
+  </p:cSld>
+  <p:clrMapOvr>
+    <a:masterClrMapping/>
+  </p:clrMapOvr>
+</p:notes>
+</file>
+
+<file path=ppt/notesSlides/notesSlide5.xml><?xml version="1.0" encoding="utf-8"?>
+<p:notes xmlns:a="http://schemas.openxmlformats.org/drawingml/2006/main" xmlns:r="http://schemas.openxmlformats.org/officeDocument/2006/relationships" xmlns:p="http://schemas.openxmlformats.org/presentationml/2006/main">
+  <p:cSld>
+    <p:spTree>
+      <p:nvGrpSpPr>
+        <p:cNvPr id="1" name=""/>
+        <p:cNvGrpSpPr/>
+        <p:nvPr/>
+      </p:nvGrpSpPr>
+      <p:grpSpPr/>
+      <p:sp>
+        <p:nvSpPr>
+          <p:cNvPr id="2" name="幻灯片图像占位符 1"/>
+          <p:cNvSpPr/>
+          <p:nvPr>
+            <p:ph type="sldImg" idx="2"/>
+          </p:nvPr>
+        </p:nvSpPr>
+        <p:spPr/>
+      </p:sp>
+      <p:sp>
+        <p:nvSpPr>
+          <p:cNvPr id="3" name="文本占位符 2"/>
+          <p:cNvSpPr/>
+          <p:nvPr>
+            <p:ph type="body" idx="3"/>
+          </p:nvPr>
+        </p:nvSpPr>
+        <p:spPr/>
+        <p:txBody>
+          <a:bodyPr/>
+          <a:p>
+            <a:endParaRPr lang="zh-CN" altLang="en-US"/>
           </a:p>
         </p:txBody>
       </p:sp>
@@ -3683,7 +3842,6 @@
             <a:off x="685800" y="2130425"/>
             <a:ext cx="7772400" cy="1470025"/>
           </a:xfrm>
-          <a:ln/>
         </p:spPr>
         <p:txBody>
           <a:bodyPr anchor="ctr"/>
@@ -3720,7 +3878,6 @@
             <a:off x="1371600" y="3886200"/>
             <a:ext cx="6400800" cy="1752600"/>
           </a:xfrm>
-          <a:ln/>
         </p:spPr>
         <p:txBody>
           <a:bodyPr anchor="t"/>
@@ -3749,6 +3906,133 @@
               <a:ea typeface="Arial" charset="0"/>
               <a:cs typeface="+mn-cs"/>
             </a:endParaRPr>
+          </a:p>
+        </p:txBody>
+      </p:sp>
+    </p:spTree>
+  </p:cSld>
+  <p:clrMapOvr>
+    <a:masterClrMapping/>
+  </p:clrMapOvr>
+</p:sld>
+</file>
+
+<file path=ppt/slides/slide10.xml><?xml version="1.0" encoding="utf-8"?>
+<p:sld xmlns:a="http://schemas.openxmlformats.org/drawingml/2006/main" xmlns:r="http://schemas.openxmlformats.org/officeDocument/2006/relationships" xmlns:p="http://schemas.openxmlformats.org/presentationml/2006/main">
+  <p:cSld>
+    <p:spTree>
+      <p:nvGrpSpPr>
+        <p:cNvPr id="1" name=""/>
+        <p:cNvGrpSpPr/>
+        <p:nvPr/>
+      </p:nvGrpSpPr>
+      <p:grpSpPr/>
+      <p:sp>
+        <p:nvSpPr>
+          <p:cNvPr id="2" name="标题 1"/>
+          <p:cNvSpPr>
+            <a:spLocks noGrp="1"/>
+          </p:cNvSpPr>
+          <p:nvPr>
+            <p:ph type="title"/>
+          </p:nvPr>
+        </p:nvSpPr>
+        <p:spPr/>
+        <p:txBody>
+          <a:bodyPr/>
+          <a:p>
+            <a:r>
+              <a:rPr lang="x-none" altLang="zh-CN" b="1"/>
+              <a:t>References</a:t>
+            </a:r>
+            <a:endParaRPr lang="x-none" altLang="zh-CN" b="1"/>
+          </a:p>
+        </p:txBody>
+      </p:sp>
+      <p:sp>
+        <p:nvSpPr>
+          <p:cNvPr id="3" name="内容占位符 2"/>
+          <p:cNvSpPr>
+            <a:spLocks noGrp="1"/>
+          </p:cNvSpPr>
+          <p:nvPr>
+            <p:ph idx="1"/>
+          </p:nvPr>
+        </p:nvSpPr>
+        <p:spPr/>
+        <p:txBody>
+          <a:bodyPr/>
+          <a:p>
+            <a:pPr marL="457200" indent="-457200">
+              <a:lnSpc>
+                <a:spcPct val="180000"/>
+              </a:lnSpc>
+            </a:pPr>
+            <a:r>
+              <a:rPr lang="zh-CN" altLang="en-US" sz="2000">
+                <a:hlinkClick r:id="rId1"/>
+              </a:rPr>
+              <a:t>http://blog.chinaunix.net/uid-29699406-id-5184915.html</a:t>
+            </a:r>
+            <a:endParaRPr lang="zh-CN" altLang="en-US" sz="2000"/>
+          </a:p>
+          <a:p>
+            <a:pPr marL="457200" indent="-457200">
+              <a:lnSpc>
+                <a:spcPct val="180000"/>
+              </a:lnSpc>
+            </a:pPr>
+            <a:r>
+              <a:rPr lang="x-none" altLang="zh-CN" sz="2000">
+                <a:hlinkClick r:id="rId2"/>
+              </a:rPr>
+              <a:t>http://brieflyx.me/2015/python-module/pwntools-advanced/</a:t>
+            </a:r>
+            <a:endParaRPr lang="x-none" altLang="zh-CN" sz="2000"/>
+          </a:p>
+          <a:p>
+            <a:pPr marL="457200" indent="-457200">
+              <a:lnSpc>
+                <a:spcPct val="180000"/>
+              </a:lnSpc>
+            </a:pPr>
+            <a:r>
+              <a:rPr lang="zh-CN" altLang="en-US" sz="2000">
+                <a:hlinkClick r:id="rId3"/>
+              </a:rPr>
+              <a:t>http://blog.csdn.net/niexinming/article/details/78814422</a:t>
+            </a:r>
+            <a:endParaRPr lang="zh-CN" altLang="en-US" sz="2000"/>
+          </a:p>
+          <a:p>
+            <a:pPr marL="457200" indent="-457200">
+              <a:lnSpc>
+                <a:spcPct val="180000"/>
+              </a:lnSpc>
+            </a:pPr>
+            <a:r>
+              <a:rPr lang="zh-CN" altLang="en-US" sz="2000">
+                <a:hlinkClick r:id="rId1"/>
+              </a:rPr>
+              <a:t>http://www.chinapyg.com/thread-86624-1-1.html</a:t>
+            </a:r>
+            <a:endParaRPr lang="zh-CN" altLang="en-US" sz="2000"/>
+          </a:p>
+          <a:p>
+            <a:pPr marL="457200" indent="-457200">
+              <a:lnSpc>
+                <a:spcPct val="180000"/>
+              </a:lnSpc>
+            </a:pPr>
+            <a:endParaRPr lang="zh-CN" altLang="en-US" sz="2400"/>
+          </a:p>
+          <a:p>
+            <a:pPr marL="457200" indent="-457200">
+              <a:lnSpc>
+                <a:spcPct val="180000"/>
+              </a:lnSpc>
+            </a:pPr>
+            <a:endParaRPr lang="zh-CN" altLang="en-US" sz="2400"/>
           </a:p>
         </p:txBody>
       </p:sp>
@@ -4218,9 +4502,7 @@
             <p:ph type="title"/>
           </p:nvPr>
         </p:nvSpPr>
-        <p:spPr>
-          <a:ln/>
-        </p:spPr>
+        <p:spPr/>
         <p:txBody>
           <a:bodyPr anchor="ctr"/>
           <a:p>
@@ -4242,9 +4524,7 @@
             <p:ph idx="1"/>
           </p:nvPr>
         </p:nvSpPr>
-        <p:spPr>
-          <a:ln/>
-        </p:spPr>
+        <p:spPr/>
         <p:txBody>
           <a:bodyPr anchor="t"/>
           <a:p>
@@ -4526,9 +4806,7 @@
             <p:ph type="title"/>
           </p:nvPr>
         </p:nvSpPr>
-        <p:spPr>
-          <a:ln/>
-        </p:spPr>
+        <p:spPr/>
         <p:txBody>
           <a:bodyPr anchor="ctr"/>
           <a:p>
@@ -4557,7 +4835,7 @@
         <p:spPr>
           <a:xfrm>
             <a:off x="307975" y="1494155"/>
-            <a:ext cx="4811395" cy="2651760"/>
+            <a:ext cx="4811395" cy="3383280"/>
           </a:xfrm>
           <a:prstGeom prst="rect">
             <a:avLst/>
@@ -4582,7 +4860,7 @@
             </a:pPr>
             <a:r>
               <a:rPr lang="x-none" altLang="zh-CN" sz="2400" b="1"/>
-              <a:t>b</a:t>
+              <a:t>b(reak)</a:t>
             </a:r>
             <a:endParaRPr lang="x-none" altLang="zh-CN" sz="2400" b="1"/>
           </a:p>
@@ -4593,7 +4871,7 @@
             </a:pPr>
             <a:r>
               <a:rPr lang="x-none" altLang="zh-CN" sz="2400" b="1"/>
-              <a:t>r, c</a:t>
+              <a:t>r(run), c(ontinue)</a:t>
             </a:r>
             <a:endParaRPr lang="x-none" altLang="zh-CN" sz="2400" b="1"/>
           </a:p>
@@ -4604,7 +4882,7 @@
             </a:pPr>
             <a:r>
               <a:rPr lang="x-none" altLang="zh-CN" sz="2400" b="1"/>
-              <a:t>x/nfu</a:t>
+              <a:t>x/nfu(examine)</a:t>
             </a:r>
             <a:endParaRPr lang="x-none" altLang="zh-CN" sz="2400" b="1"/>
           </a:p>
@@ -4615,7 +4893,29 @@
             </a:pPr>
             <a:r>
               <a:rPr lang="x-none" altLang="zh-CN" sz="2400" b="1"/>
-              <a:t>p</a:t>
+              <a:t>watch</a:t>
+            </a:r>
+            <a:endParaRPr lang="x-none" altLang="zh-CN" sz="2400" b="1"/>
+          </a:p>
+          <a:p>
+            <a:pPr marL="342900" indent="-342900">
+              <a:buFont typeface="Arial" charset="0"/>
+              <a:buChar char="•"/>
+            </a:pPr>
+            <a:r>
+              <a:rPr lang="x-none" altLang="zh-CN" sz="2400" b="1"/>
+              <a:t>b(reak) if</a:t>
+            </a:r>
+            <a:endParaRPr lang="x-none" altLang="zh-CN" sz="2400" b="1"/>
+          </a:p>
+          <a:p>
+            <a:pPr marL="342900" indent="-342900">
+              <a:buFont typeface="Arial" charset="0"/>
+              <a:buChar char="•"/>
+            </a:pPr>
+            <a:r>
+              <a:rPr lang="x-none" altLang="zh-CN" sz="2400" b="1"/>
+              <a:t>p(rint)</a:t>
             </a:r>
             <a:endParaRPr lang="x-none" altLang="zh-CN" sz="2400" b="1"/>
           </a:p>
@@ -4832,9 +5132,7 @@
             <p:ph type="title"/>
           </p:nvPr>
         </p:nvSpPr>
-        <p:spPr>
-          <a:ln/>
-        </p:spPr>
+        <p:spPr/>
         <p:txBody>
           <a:bodyPr anchor="ctr"/>
           <a:p>
@@ -4861,7 +5159,6 @@
             <a:off x="457200" y="1600200"/>
             <a:ext cx="8267700" cy="4526280"/>
           </a:xfrm>
-          <a:ln/>
         </p:spPr>
         <p:txBody>
           <a:bodyPr anchor="t"/>
@@ -5023,7 +5320,9 @@
           </a:p>
           <a:p>
             <a:r>
-              <a:rPr lang="x-none" altLang="zh-CN" sz="2400" b="1"/>
+              <a:rPr lang="x-none" altLang="zh-CN" sz="2400" b="1">
+                <a:hlinkClick r:id="rId2" tooltip="" action="ppaction://hlinksldjump"/>
+              </a:rPr>
               <a:t>reference</a:t>
             </a:r>
             <a:endParaRPr lang="x-none" altLang="zh-CN" sz="2400" b="1"/>
@@ -5587,6 +5886,18 @@
             </a:r>
             <a:endParaRPr lang="x-none" altLang="zh-CN" b="1"/>
           </a:p>
+          <a:p>
+            <a:pPr>
+              <a:lnSpc>
+                <a:spcPct val="150000"/>
+              </a:lnSpc>
+            </a:pPr>
+            <a:r>
+              <a:rPr lang="x-none" altLang="zh-CN" b="1"/>
+              <a:t>......</a:t>
+            </a:r>
+            <a:endParaRPr lang="x-none" altLang="zh-CN" b="1"/>
+          </a:p>
         </p:txBody>
       </p:sp>
     </p:spTree>
@@ -5643,7 +5954,34 @@
         <p:txBody>
           <a:bodyPr/>
           <a:p>
-            <a:pPr marL="0" indent="0">
+            <a:pPr marL="457200" indent="-457200">
+              <a:lnSpc>
+                <a:spcPct val="130000"/>
+              </a:lnSpc>
+            </a:pPr>
+            <a:r>
+              <a:rPr lang="x-none" altLang="zh-CN" b="1"/>
+              <a:t>源码级的patch(py, C#, vb)</a:t>
+            </a:r>
+            <a:endParaRPr lang="x-none" altLang="zh-CN" b="1"/>
+          </a:p>
+          <a:p>
+            <a:pPr marL="457200" indent="-457200">
+              <a:lnSpc>
+                <a:spcPct val="130000"/>
+              </a:lnSpc>
+            </a:pPr>
+            <a:r>
+              <a:rPr lang="x-none" altLang="zh-CN" b="1"/>
+              <a:t>汇编级的patch</a:t>
+            </a:r>
+            <a:endParaRPr lang="x-none" altLang="zh-CN" b="1"/>
+          </a:p>
+          <a:p>
+            <a:pPr marL="457200" lvl="1" indent="0">
+              <a:lnSpc>
+                <a:spcPct val="130000"/>
+              </a:lnSpc>
               <a:buNone/>
             </a:pPr>
             <a:r>
@@ -5652,13 +5990,318 @@
             </a:r>
             <a:endParaRPr lang="x-none" altLang="zh-CN" b="1"/>
           </a:p>
-        </p:txBody>
-      </p:sp>
+          <a:p>
+            <a:pPr marL="1428750" lvl="2" indent="-514350">
+              <a:lnSpc>
+                <a:spcPct val="130000"/>
+              </a:lnSpc>
+              <a:buAutoNum type="arabicPeriod"/>
+            </a:pPr>
+            <a:r>
+              <a:rPr lang="x-none" altLang="zh-CN" b="1"/>
+              <a:t>	jz/jnz/jge/jle改变程序流程</a:t>
+            </a:r>
+            <a:endParaRPr lang="x-none" altLang="zh-CN" b="1"/>
+          </a:p>
+          <a:p>
+            <a:pPr marL="1428750" lvl="2" indent="-514350">
+              <a:lnSpc>
+                <a:spcPct val="130000"/>
+              </a:lnSpc>
+              <a:buAutoNum type="arabicPeriod"/>
+            </a:pPr>
+            <a:r>
+              <a:rPr lang="x-none" altLang="zh-CN" b="1"/>
+              <a:t>	nop大法好(\x90)</a:t>
+            </a:r>
+            <a:endParaRPr lang="x-none" altLang="zh-CN" b="1"/>
+          </a:p>
+          <a:p>
+            <a:pPr marL="1428750" lvl="2" indent="-514350">
+              <a:lnSpc>
+                <a:spcPct val="130000"/>
+              </a:lnSpc>
+              <a:buAutoNum type="arabicPeriod"/>
+            </a:pPr>
+            <a:r>
+              <a:rPr lang="x-none" altLang="zh-CN" b="1"/>
+              <a:t>	keypatch</a:t>
+            </a:r>
+            <a:endParaRPr lang="x-none" altLang="zh-CN" b="1"/>
+          </a:p>
+          <a:p>
+            <a:pPr marL="1428750" lvl="2" indent="-514350">
+              <a:lnSpc>
+                <a:spcPct val="130000"/>
+              </a:lnSpc>
+              <a:buAutoNum type="arabicPeriod"/>
+            </a:pPr>
+            <a:r>
+              <a:rPr lang="x-none" altLang="zh-CN" b="1"/>
+              <a:t>	注意栈结构</a:t>
+            </a:r>
+            <a:endParaRPr lang="x-none" altLang="zh-CN" b="1"/>
+          </a:p>
+          <a:p>
+            <a:pPr marL="1428750" lvl="2" indent="-514350">
+              <a:lnSpc>
+                <a:spcPct val="130000"/>
+              </a:lnSpc>
+              <a:buAutoNum type="arabicPeriod"/>
+            </a:pPr>
+            <a:r>
+              <a:rPr lang="x-none" altLang="zh-CN" b="1"/>
+              <a:t>........</a:t>
+            </a:r>
+            <a:endParaRPr lang="x-none" altLang="zh-CN" b="1"/>
+          </a:p>
+        </p:txBody>
+      </p:sp>
+      <p:pic>
+        <p:nvPicPr>
+          <p:cNvPr id="4" name="图片 3"/>
+          <p:cNvPicPr>
+            <a:picLocks noChangeAspect="1"/>
+          </p:cNvPicPr>
+          <p:nvPr/>
+        </p:nvPicPr>
+        <p:blipFill>
+          <a:blip r:embed="rId1"/>
+          <a:stretch>
+            <a:fillRect/>
+          </a:stretch>
+        </p:blipFill>
+        <p:spPr>
+          <a:xfrm>
+            <a:off x="115570" y="1417955"/>
+            <a:ext cx="8571230" cy="3942715"/>
+          </a:xfrm>
+          <a:prstGeom prst="rect">
+            <a:avLst/>
+          </a:prstGeom>
+        </p:spPr>
+      </p:pic>
+      <p:pic>
+        <p:nvPicPr>
+          <p:cNvPr id="5" name="图片 4"/>
+          <p:cNvPicPr>
+            <a:picLocks noChangeAspect="1"/>
+          </p:cNvPicPr>
+          <p:nvPr/>
+        </p:nvPicPr>
+        <p:blipFill>
+          <a:blip r:embed="rId2"/>
+          <a:stretch>
+            <a:fillRect/>
+          </a:stretch>
+        </p:blipFill>
+        <p:spPr>
+          <a:xfrm>
+            <a:off x="1547495" y="2208530"/>
+            <a:ext cx="6476365" cy="3152140"/>
+          </a:xfrm>
+          <a:prstGeom prst="rect">
+            <a:avLst/>
+          </a:prstGeom>
+        </p:spPr>
+      </p:pic>
     </p:spTree>
   </p:cSld>
   <p:clrMapOvr>
     <a:masterClrMapping/>
   </p:clrMapOvr>
+  <p:timing>
+    <p:tnLst>
+      <p:par>
+        <p:cTn id="1" dur="indefinite" restart="never" nodeType="tmRoot">
+          <p:childTnLst>
+            <p:seq concurrent="1" nextAc="seek">
+              <p:cTn id="2" dur="indefinite" nodeType="mainSeq">
+                <p:childTnLst>
+                  <p:par>
+                    <p:cTn id="3" fill="hold">
+                      <p:stCondLst>
+                        <p:cond delay="indefinite"/>
+                      </p:stCondLst>
+                      <p:childTnLst>
+                        <p:par>
+                          <p:cTn id="4" fill="hold">
+                            <p:stCondLst>
+                              <p:cond delay="0"/>
+                            </p:stCondLst>
+                            <p:childTnLst>
+                              <p:par>
+                                <p:cTn id="5" presetID="1" presetClass="entr" presetSubtype="0" fill="hold" nodeType="clickEffect">
+                                  <p:stCondLst>
+                                    <p:cond delay="0"/>
+                                  </p:stCondLst>
+                                  <p:childTnLst>
+                                    <p:set>
+                                      <p:cBhvr>
+                                        <p:cTn id="6" dur="1" fill="hold">
+                                          <p:stCondLst>
+                                            <p:cond delay="0"/>
+                                          </p:stCondLst>
+                                        </p:cTn>
+                                        <p:tgtEl>
+                                          <p:spTgt spid="4"/>
+                                        </p:tgtEl>
+                                        <p:attrNameLst>
+                                          <p:attrName>style.visibility</p:attrName>
+                                        </p:attrNameLst>
+                                      </p:cBhvr>
+                                      <p:to>
+                                        <p:strVal val="visible"/>
+                                      </p:to>
+                                    </p:set>
+                                  </p:childTnLst>
+                                </p:cTn>
+                              </p:par>
+                            </p:childTnLst>
+                          </p:cTn>
+                        </p:par>
+                      </p:childTnLst>
+                    </p:cTn>
+                  </p:par>
+                  <p:par>
+                    <p:cTn id="7" fill="hold">
+                      <p:stCondLst>
+                        <p:cond delay="indefinite"/>
+                      </p:stCondLst>
+                      <p:childTnLst>
+                        <p:par>
+                          <p:cTn id="8" fill="hold">
+                            <p:stCondLst>
+                              <p:cond delay="0"/>
+                            </p:stCondLst>
+                            <p:childTnLst>
+                              <p:par>
+                                <p:cTn id="9" presetID="1" presetClass="entr" presetSubtype="0" fill="hold" nodeType="clickEffect">
+                                  <p:stCondLst>
+                                    <p:cond delay="0"/>
+                                  </p:stCondLst>
+                                  <p:childTnLst>
+                                    <p:set>
+                                      <p:cBhvr>
+                                        <p:cTn id="10" dur="1" fill="hold">
+                                          <p:stCondLst>
+                                            <p:cond delay="0"/>
+                                          </p:stCondLst>
+                                        </p:cTn>
+                                        <p:tgtEl>
+                                          <p:spTgt spid="5"/>
+                                        </p:tgtEl>
+                                        <p:attrNameLst>
+                                          <p:attrName>style.visibility</p:attrName>
+                                        </p:attrNameLst>
+                                      </p:cBhvr>
+                                      <p:to>
+                                        <p:strVal val="visible"/>
+                                      </p:to>
+                                    </p:set>
+                                  </p:childTnLst>
+                                </p:cTn>
+                              </p:par>
+                            </p:childTnLst>
+                          </p:cTn>
+                        </p:par>
+                      </p:childTnLst>
+                    </p:cTn>
+                  </p:par>
+                  <p:par>
+                    <p:cTn id="11" fill="hold">
+                      <p:stCondLst>
+                        <p:cond delay="indefinite"/>
+                      </p:stCondLst>
+                      <p:childTnLst>
+                        <p:par>
+                          <p:cTn id="12" fill="hold">
+                            <p:stCondLst>
+                              <p:cond delay="0"/>
+                            </p:stCondLst>
+                            <p:childTnLst>
+                              <p:par>
+                                <p:cTn id="13" presetID="1" presetClass="exit" presetSubtype="0" fill="hold" nodeType="clickEffect">
+                                  <p:stCondLst>
+                                    <p:cond delay="0"/>
+                                  </p:stCondLst>
+                                  <p:childTnLst>
+                                    <p:set>
+                                      <p:cBhvr>
+                                        <p:cTn id="14" dur="1" fill="hold">
+                                          <p:stCondLst>
+                                            <p:cond delay="0"/>
+                                          </p:stCondLst>
+                                        </p:cTn>
+                                        <p:tgtEl>
+                                          <p:spTgt spid="5"/>
+                                        </p:tgtEl>
+                                        <p:attrNameLst>
+                                          <p:attrName>style.visibility</p:attrName>
+                                        </p:attrNameLst>
+                                      </p:cBhvr>
+                                      <p:to>
+                                        <p:strVal val="hidden"/>
+                                      </p:to>
+                                    </p:set>
+                                  </p:childTnLst>
+                                </p:cTn>
+                              </p:par>
+                              <p:par>
+                                <p:cTn id="15" presetID="1" presetClass="exit" presetSubtype="0" fill="hold" nodeType="withEffect">
+                                  <p:stCondLst>
+                                    <p:cond delay="0"/>
+                                  </p:stCondLst>
+                                  <p:childTnLst>
+                                    <p:set>
+                                      <p:cBhvr>
+                                        <p:cTn id="16" dur="1" fill="hold">
+                                          <p:stCondLst>
+                                            <p:cond delay="0"/>
+                                          </p:stCondLst>
+                                        </p:cTn>
+                                        <p:tgtEl>
+                                          <p:spTgt spid="4"/>
+                                        </p:tgtEl>
+                                        <p:attrNameLst>
+                                          <p:attrName>style.visibility</p:attrName>
+                                        </p:attrNameLst>
+                                      </p:cBhvr>
+                                      <p:to>
+                                        <p:strVal val="hidden"/>
+                                      </p:to>
+                                    </p:set>
+                                  </p:childTnLst>
+                                </p:cTn>
+                              </p:par>
+                            </p:childTnLst>
+                          </p:cTn>
+                        </p:par>
+                      </p:childTnLst>
+                    </p:cTn>
+                  </p:par>
+                </p:childTnLst>
+              </p:cTn>
+              <p:prevCondLst>
+                <p:cond evt="onPrev" delay="0">
+                  <p:tgtEl>
+                    <p:sldTgt/>
+                  </p:tgtEl>
+                </p:cond>
+              </p:prevCondLst>
+              <p:nextCondLst>
+                <p:cond evt="onNext" delay="0">
+                  <p:tgtEl>
+                    <p:sldTgt/>
+                  </p:tgtEl>
+                </p:cond>
+              </p:nextCondLst>
+            </p:seq>
+          </p:childTnLst>
+        </p:cTn>
+      </p:par>
+    </p:tnLst>
+  </p:timing>
 </p:sld>
 </file>
 
@@ -5688,7 +6331,7 @@
           <a:p>
             <a:r>
               <a:rPr lang="x-none" altLang="zh-CN" b="1"/>
-              <a:t>References</a:t>
+              <a:t>Homework</a:t>
             </a:r>
             <a:endParaRPr lang="x-none" altLang="zh-CN" b="1"/>
           </a:p>
@@ -5708,76 +6351,117 @@
         <p:txBody>
           <a:bodyPr/>
           <a:p>
-            <a:pPr marL="457200" indent="-457200">
-              <a:lnSpc>
-                <a:spcPct val="130000"/>
-              </a:lnSpc>
-            </a:pPr>
-            <a:r>
-              <a:rPr lang="zh-CN" altLang="en-US" sz="2000">
-                <a:hlinkClick r:id="rId1" tooltip=""/>
-              </a:rPr>
-              <a:t>http://blog.chinaunix.net/uid-29699406-id-5184915.html</a:t>
-            </a:r>
-            <a:endParaRPr lang="zh-CN" altLang="en-US" sz="2000"/>
-          </a:p>
-          <a:p>
-            <a:pPr marL="457200" indent="-457200">
-              <a:lnSpc>
-                <a:spcPct val="130000"/>
-              </a:lnSpc>
-            </a:pPr>
-            <a:r>
-              <a:rPr lang="x-none" altLang="zh-CN" sz="2000">
-                <a:hlinkClick r:id="rId2" tooltip=""/>
-              </a:rPr>
-              <a:t>http://brieflyx.me/2015/python-module/pwntools-advanced/</a:t>
-            </a:r>
-            <a:endParaRPr lang="x-none" altLang="zh-CN" sz="2000"/>
-          </a:p>
-          <a:p>
-            <a:pPr marL="457200" indent="-457200">
-              <a:lnSpc>
-                <a:spcPct val="130000"/>
-              </a:lnSpc>
-            </a:pPr>
-            <a:r>
-              <a:rPr lang="zh-CN" altLang="en-US" sz="2000">
-                <a:hlinkClick r:id="rId3" tooltip=""/>
-              </a:rPr>
-              <a:t>http://blog.csdn.net/niexinming/article/details/78814422</a:t>
-            </a:r>
-            <a:endParaRPr lang="zh-CN" altLang="en-US" sz="2000"/>
-          </a:p>
-          <a:p>
-            <a:pPr marL="457200" indent="-457200">
-              <a:lnSpc>
-                <a:spcPct val="130000"/>
-              </a:lnSpc>
-            </a:pPr>
-            <a:r>
-              <a:rPr lang="zh-CN" altLang="en-US" sz="2000">
-                <a:hlinkClick r:id="rId1" tooltip=""/>
-              </a:rPr>
-              <a:t>http://www.chinapyg.com/thread-86624-1-1.html</a:t>
-            </a:r>
-            <a:endParaRPr lang="zh-CN" altLang="en-US" sz="2000"/>
-          </a:p>
-          <a:p>
-            <a:pPr marL="457200" indent="-457200">
-              <a:lnSpc>
-                <a:spcPct val="130000"/>
-              </a:lnSpc>
-            </a:pPr>
-            <a:endParaRPr lang="zh-CN" altLang="en-US" sz="2400"/>
-          </a:p>
-          <a:p>
-            <a:pPr marL="457200" indent="-457200">
-              <a:lnSpc>
-                <a:spcPct val="130000"/>
-              </a:lnSpc>
-            </a:pPr>
-            <a:endParaRPr lang="zh-CN" altLang="en-US" sz="2400"/>
+            <a:pPr>
+              <a:buFont typeface="Wingdings" charset="2"/>
+              <a:buChar char=""/>
+            </a:pPr>
+            <a:r>
+              <a:rPr lang="x-none" altLang="zh-CN"/>
+              <a:t>之前的所有附加题</a:t>
+            </a:r>
+            <a:endParaRPr lang="x-none" altLang="zh-CN"/>
+          </a:p>
+          <a:p>
+            <a:pPr>
+              <a:buFont typeface="Wingdings" charset="2"/>
+              <a:buChar char=""/>
+            </a:pPr>
+            <a:r>
+              <a:rPr lang="x-none" altLang="zh-CN"/>
+              <a:t>re</a:t>
+            </a:r>
+            <a:endParaRPr lang="x-none" altLang="zh-CN"/>
+          </a:p>
+          <a:p>
+            <a:pPr lvl="1">
+              <a:buFont typeface="Wingdings" charset="2"/>
+              <a:buChar char=""/>
+            </a:pPr>
+            <a:r>
+              <a:rPr lang="x-none" altLang="zh-CN"/>
+              <a:t>babyRE</a:t>
+            </a:r>
+            <a:endParaRPr lang="x-none" altLang="zh-CN"/>
+          </a:p>
+          <a:p>
+            <a:pPr lvl="1">
+              <a:buFont typeface="Wingdings" charset="2"/>
+              <a:buChar char=""/>
+            </a:pPr>
+            <a:r>
+              <a:rPr lang="x-none" altLang="zh-CN"/>
+              <a:t>get_flag.exe</a:t>
+            </a:r>
+            <a:endParaRPr lang="x-none" altLang="zh-CN"/>
+          </a:p>
+          <a:p>
+            <a:pPr lvl="1">
+              <a:buFont typeface="Wingdings" charset="2"/>
+              <a:buChar char=""/>
+            </a:pPr>
+            <a:r>
+              <a:rPr lang="x-none" altLang="zh-CN"/>
+              <a:t>建议了解z3(求解多约束问题神奇)</a:t>
+            </a:r>
+            <a:endParaRPr lang="x-none" altLang="zh-CN"/>
+          </a:p>
+          <a:p>
+            <a:pPr>
+              <a:buFont typeface="Wingdings" charset="2"/>
+              <a:buChar char=""/>
+            </a:pPr>
+            <a:r>
+              <a:rPr lang="x-none" altLang="zh-CN"/>
+              <a:t>pwn</a:t>
+            </a:r>
+            <a:endParaRPr lang="x-none" altLang="zh-CN"/>
+          </a:p>
+          <a:p>
+            <a:pPr lvl="1">
+              <a:buFont typeface="Wingdings" charset="2"/>
+              <a:buChar char=""/>
+            </a:pPr>
+            <a:r>
+              <a:rPr lang="x-none" altLang="zh-CN" sz="2800"/>
+              <a:t>调试ret2syscall,rop2</a:t>
+            </a:r>
+            <a:endParaRPr lang="x-none" altLang="zh-CN" sz="2800"/>
+          </a:p>
+          <a:p>
+            <a:pPr lvl="1">
+              <a:buFont typeface="Wingdings" charset="2"/>
+              <a:buChar char=""/>
+            </a:pPr>
+            <a:r>
+              <a:rPr lang="x-none" altLang="zh-CN" sz="2800"/>
+              <a:t>stack(10.4.21.55 9012)</a:t>
+            </a:r>
+            <a:endParaRPr lang="x-none" altLang="zh-CN" sz="2800"/>
+          </a:p>
+          <a:p>
+            <a:pPr lvl="1">
+              <a:buFont typeface="Wingdings" charset="2"/>
+              <a:buChar char=""/>
+            </a:pPr>
+            <a:r>
+              <a:rPr lang="x-none" altLang="zh-CN" sz="2800"/>
+              <a:t>inndy-leave_msg</a:t>
+            </a:r>
+            <a:endParaRPr lang="x-none" altLang="zh-CN" sz="2800"/>
+          </a:p>
+          <a:p>
+            <a:pPr marL="457200" lvl="1" indent="0">
+              <a:buFont typeface="Wingdings" charset="2"/>
+              <a:buNone/>
+            </a:pPr>
+            <a:endParaRPr lang="x-none" altLang="zh-CN" sz="2800"/>
+          </a:p>
+          <a:p>
+            <a:pPr marL="0" indent="0">
+              <a:buFont typeface="Wingdings" charset="2"/>
+              <a:buNone/>
+            </a:pPr>
+            <a:endParaRPr lang="x-none" altLang="zh-CN"/>
           </a:p>
         </p:txBody>
       </p:sp>
